--- a/ppt/算法讲解115【扩展】线段树专题6-线段树与扫描线结合的题目.pptx
+++ b/ppt/算法讲解115【扩展】线段树专题6-线段树与扫描线结合的题目.pptx
@@ -4140,7 +4140,11 @@
             <a:pPr algn="l" defTabSz="718184">
               <a:defRPr sz="3132">
                 <a:solidFill>
-                  <a:srgbClr val="000000"/>
+                  <a:schemeClr val="accent5">
+                    <a:hueOff val="-82419"/>
+                    <a:satOff val="-9513"/>
+                    <a:lumOff val="-16343"/>
+                  </a:schemeClr>
                 </a:solidFill>
                 <a:latin typeface="Monaco"/>
                 <a:ea typeface="Monaco"/>
@@ -4148,9 +4152,6 @@
                 <a:sym typeface="Monaco"/>
               </a:defRPr>
             </a:pPr>
-            <a:r>
-              <a:t>线段树与动态规划结合的内容，后续【扩展】标签下的课程里继续安排</a:t>
-            </a:r>
           </a:p>
           <a:p>
             <a:pPr algn="l" defTabSz="718184">
@@ -4165,7 +4166,7 @@
               </a:defRPr>
             </a:pPr>
             <a:r>
-              <a:t>树套树、可持久化线段树、树链剖分等内容，后续【挺难】标签下的课程里会安排</a:t>
+              <a:t>线段树二分的内容，讲解146的题目2、讲解169的题目1，已经安排讲述</a:t>
             </a:r>
           </a:p>
           <a:p>
@@ -4180,6 +4181,9 @@
                 <a:sym typeface="Monaco"/>
               </a:defRPr>
             </a:pPr>
+            <a:r>
+              <a:t>线段树与动态规划结合的内容，后续【扩展】标签下的课程里继续安排</a:t>
+            </a:r>
           </a:p>
           <a:p>
             <a:pPr algn="l" defTabSz="718184">
@@ -4194,7 +4198,7 @@
               </a:defRPr>
             </a:pPr>
             <a:r>
-              <a:t>这个系列一定是全网有关线段树最好的教学视频，觉得好帮忙推荐给身边的人！</a:t>
+              <a:t>树套树、可持久化线段树、树链剖分等内容，后续【挺难】标签下的课程里会安排</a:t>
             </a:r>
           </a:p>
         </p:txBody>
